--- a/docs/20170124_Microsoft_IoTHackfest_住友セメントシステム.pptx
+++ b/docs/20170124_Microsoft_IoTHackfest_住友セメントシステム.pptx
@@ -252,7 +252,7 @@
           <a:p>
             <a:fld id="{D522B5A1-0951-494E-A89F-238EF8F36C4A}" type="datetimeFigureOut">
               <a:rPr kumimoji="1" lang="ja-JP" altLang="en-US" smtClean="0"/>
-              <a:t>2017/1/25</a:t>
+              <a:t>2017/1/26</a:t>
             </a:fld>
             <a:endParaRPr kumimoji="1" lang="ja-JP" altLang="en-US"/>
           </a:p>
@@ -452,7 +452,7 @@
           <a:p>
             <a:fld id="{D522B5A1-0951-494E-A89F-238EF8F36C4A}" type="datetimeFigureOut">
               <a:rPr kumimoji="1" lang="ja-JP" altLang="en-US" smtClean="0"/>
-              <a:t>2017/1/25</a:t>
+              <a:t>2017/1/26</a:t>
             </a:fld>
             <a:endParaRPr kumimoji="1" lang="ja-JP" altLang="en-US"/>
           </a:p>
@@ -662,7 +662,7 @@
           <a:p>
             <a:fld id="{D522B5A1-0951-494E-A89F-238EF8F36C4A}" type="datetimeFigureOut">
               <a:rPr kumimoji="1" lang="ja-JP" altLang="en-US" smtClean="0"/>
-              <a:t>2017/1/25</a:t>
+              <a:t>2017/1/26</a:t>
             </a:fld>
             <a:endParaRPr kumimoji="1" lang="ja-JP" altLang="en-US"/>
           </a:p>
@@ -862,7 +862,7 @@
           <a:p>
             <a:fld id="{D522B5A1-0951-494E-A89F-238EF8F36C4A}" type="datetimeFigureOut">
               <a:rPr kumimoji="1" lang="ja-JP" altLang="en-US" smtClean="0"/>
-              <a:t>2017/1/25</a:t>
+              <a:t>2017/1/26</a:t>
             </a:fld>
             <a:endParaRPr kumimoji="1" lang="ja-JP" altLang="en-US"/>
           </a:p>
@@ -1107,7 +1107,7 @@
           <a:p>
             <a:fld id="{D522B5A1-0951-494E-A89F-238EF8F36C4A}" type="datetimeFigureOut">
               <a:rPr kumimoji="1" lang="ja-JP" altLang="en-US" smtClean="0"/>
-              <a:t>2017/1/25</a:t>
+              <a:t>2017/1/26</a:t>
             </a:fld>
             <a:endParaRPr kumimoji="1" lang="ja-JP" altLang="en-US"/>
           </a:p>
@@ -1400,7 +1400,7 @@
           <a:p>
             <a:fld id="{D522B5A1-0951-494E-A89F-238EF8F36C4A}" type="datetimeFigureOut">
               <a:rPr kumimoji="1" lang="ja-JP" altLang="en-US" smtClean="0"/>
-              <a:t>2017/1/25</a:t>
+              <a:t>2017/1/26</a:t>
             </a:fld>
             <a:endParaRPr kumimoji="1" lang="ja-JP" altLang="en-US"/>
           </a:p>
@@ -1828,7 +1828,7 @@
           <a:p>
             <a:fld id="{D522B5A1-0951-494E-A89F-238EF8F36C4A}" type="datetimeFigureOut">
               <a:rPr kumimoji="1" lang="ja-JP" altLang="en-US" smtClean="0"/>
-              <a:t>2017/1/25</a:t>
+              <a:t>2017/1/26</a:t>
             </a:fld>
             <a:endParaRPr kumimoji="1" lang="ja-JP" altLang="en-US"/>
           </a:p>
@@ -1945,7 +1945,7 @@
           <a:p>
             <a:fld id="{D522B5A1-0951-494E-A89F-238EF8F36C4A}" type="datetimeFigureOut">
               <a:rPr kumimoji="1" lang="ja-JP" altLang="en-US" smtClean="0"/>
-              <a:t>2017/1/25</a:t>
+              <a:t>2017/1/26</a:t>
             </a:fld>
             <a:endParaRPr kumimoji="1" lang="ja-JP" altLang="en-US"/>
           </a:p>
@@ -2040,7 +2040,7 @@
           <a:p>
             <a:fld id="{D522B5A1-0951-494E-A89F-238EF8F36C4A}" type="datetimeFigureOut">
               <a:rPr kumimoji="1" lang="ja-JP" altLang="en-US" smtClean="0"/>
-              <a:t>2017/1/25</a:t>
+              <a:t>2017/1/26</a:t>
             </a:fld>
             <a:endParaRPr kumimoji="1" lang="ja-JP" altLang="en-US"/>
           </a:p>
@@ -2347,7 +2347,7 @@
           <a:p>
             <a:fld id="{D522B5A1-0951-494E-A89F-238EF8F36C4A}" type="datetimeFigureOut">
               <a:rPr kumimoji="1" lang="ja-JP" altLang="en-US" smtClean="0"/>
-              <a:t>2017/1/25</a:t>
+              <a:t>2017/1/26</a:t>
             </a:fld>
             <a:endParaRPr kumimoji="1" lang="ja-JP" altLang="en-US"/>
           </a:p>
@@ -2599,7 +2599,7 @@
           <a:p>
             <a:fld id="{D522B5A1-0951-494E-A89F-238EF8F36C4A}" type="datetimeFigureOut">
               <a:rPr kumimoji="1" lang="ja-JP" altLang="en-US" smtClean="0"/>
-              <a:t>2017/1/25</a:t>
+              <a:t>2017/1/26</a:t>
             </a:fld>
             <a:endParaRPr kumimoji="1" lang="ja-JP" altLang="en-US"/>
           </a:p>
@@ -2842,7 +2842,7 @@
           <a:p>
             <a:fld id="{D522B5A1-0951-494E-A89F-238EF8F36C4A}" type="datetimeFigureOut">
               <a:rPr kumimoji="1" lang="ja-JP" altLang="en-US" smtClean="0"/>
-              <a:t>2017/1/25</a:t>
+              <a:t>2017/1/26</a:t>
             </a:fld>
             <a:endParaRPr kumimoji="1" lang="ja-JP" altLang="en-US"/>
           </a:p>
@@ -4248,7 +4248,8 @@
             <a:solidFill>
               <a:schemeClr val="accent2"/>
             </a:solidFill>
-            <a:tailEnd type="triangle"/>
+            <a:headEnd type="triangle" w="med" len="med"/>
+            <a:tailEnd type="triangle" w="med" len="med"/>
           </a:ln>
         </p:spPr>
         <p:style>
@@ -4806,18 +4807,18 @@
           <p:cNvCxnSpPr>
             <a:cxnSpLocks/>
             <a:stCxn id="15" idx="2"/>
-            <a:endCxn id="11" idx="2"/>
+            <a:endCxn id="12" idx="2"/>
           </p:cNvCxnSpPr>
           <p:nvPr/>
         </p:nvCxnSpPr>
         <p:spPr>
           <a:xfrm rot="5400000">
-            <a:off x="6832274" y="457720"/>
-            <a:ext cx="488668" cy="5172054"/>
+            <a:off x="7936441" y="1083983"/>
+            <a:ext cx="10765" cy="3441624"/>
           </a:xfrm>
           <a:prstGeom prst="bentConnector3">
             <a:avLst>
-              <a:gd name="adj1" fmla="val 146780"/>
+              <a:gd name="adj1" fmla="val 2223549"/>
             </a:avLst>
           </a:prstGeom>
           <a:ln w="57150">

--- a/docs/20170124_Microsoft_IoTHackfest_住友セメントシステム.pptx
+++ b/docs/20170124_Microsoft_IoTHackfest_住友セメントシステム.pptx
@@ -252,7 +252,7 @@
           <a:p>
             <a:fld id="{D522B5A1-0951-494E-A89F-238EF8F36C4A}" type="datetimeFigureOut">
               <a:rPr kumimoji="1" lang="ja-JP" altLang="en-US" smtClean="0"/>
-              <a:t>2017/1/26</a:t>
+              <a:t>2017/1/27</a:t>
             </a:fld>
             <a:endParaRPr kumimoji="1" lang="ja-JP" altLang="en-US"/>
           </a:p>
@@ -452,7 +452,7 @@
           <a:p>
             <a:fld id="{D522B5A1-0951-494E-A89F-238EF8F36C4A}" type="datetimeFigureOut">
               <a:rPr kumimoji="1" lang="ja-JP" altLang="en-US" smtClean="0"/>
-              <a:t>2017/1/26</a:t>
+              <a:t>2017/1/27</a:t>
             </a:fld>
             <a:endParaRPr kumimoji="1" lang="ja-JP" altLang="en-US"/>
           </a:p>
@@ -662,7 +662,7 @@
           <a:p>
             <a:fld id="{D522B5A1-0951-494E-A89F-238EF8F36C4A}" type="datetimeFigureOut">
               <a:rPr kumimoji="1" lang="ja-JP" altLang="en-US" smtClean="0"/>
-              <a:t>2017/1/26</a:t>
+              <a:t>2017/1/27</a:t>
             </a:fld>
             <a:endParaRPr kumimoji="1" lang="ja-JP" altLang="en-US"/>
           </a:p>
@@ -862,7 +862,7 @@
           <a:p>
             <a:fld id="{D522B5A1-0951-494E-A89F-238EF8F36C4A}" type="datetimeFigureOut">
               <a:rPr kumimoji="1" lang="ja-JP" altLang="en-US" smtClean="0"/>
-              <a:t>2017/1/26</a:t>
+              <a:t>2017/1/27</a:t>
             </a:fld>
             <a:endParaRPr kumimoji="1" lang="ja-JP" altLang="en-US"/>
           </a:p>
@@ -1107,7 +1107,7 @@
           <a:p>
             <a:fld id="{D522B5A1-0951-494E-A89F-238EF8F36C4A}" type="datetimeFigureOut">
               <a:rPr kumimoji="1" lang="ja-JP" altLang="en-US" smtClean="0"/>
-              <a:t>2017/1/26</a:t>
+              <a:t>2017/1/27</a:t>
             </a:fld>
             <a:endParaRPr kumimoji="1" lang="ja-JP" altLang="en-US"/>
           </a:p>
@@ -1400,7 +1400,7 @@
           <a:p>
             <a:fld id="{D522B5A1-0951-494E-A89F-238EF8F36C4A}" type="datetimeFigureOut">
               <a:rPr kumimoji="1" lang="ja-JP" altLang="en-US" smtClean="0"/>
-              <a:t>2017/1/26</a:t>
+              <a:t>2017/1/27</a:t>
             </a:fld>
             <a:endParaRPr kumimoji="1" lang="ja-JP" altLang="en-US"/>
           </a:p>
@@ -1828,7 +1828,7 @@
           <a:p>
             <a:fld id="{D522B5A1-0951-494E-A89F-238EF8F36C4A}" type="datetimeFigureOut">
               <a:rPr kumimoji="1" lang="ja-JP" altLang="en-US" smtClean="0"/>
-              <a:t>2017/1/26</a:t>
+              <a:t>2017/1/27</a:t>
             </a:fld>
             <a:endParaRPr kumimoji="1" lang="ja-JP" altLang="en-US"/>
           </a:p>
@@ -1945,7 +1945,7 @@
           <a:p>
             <a:fld id="{D522B5A1-0951-494E-A89F-238EF8F36C4A}" type="datetimeFigureOut">
               <a:rPr kumimoji="1" lang="ja-JP" altLang="en-US" smtClean="0"/>
-              <a:t>2017/1/26</a:t>
+              <a:t>2017/1/27</a:t>
             </a:fld>
             <a:endParaRPr kumimoji="1" lang="ja-JP" altLang="en-US"/>
           </a:p>
@@ -2040,7 +2040,7 @@
           <a:p>
             <a:fld id="{D522B5A1-0951-494E-A89F-238EF8F36C4A}" type="datetimeFigureOut">
               <a:rPr kumimoji="1" lang="ja-JP" altLang="en-US" smtClean="0"/>
-              <a:t>2017/1/26</a:t>
+              <a:t>2017/1/27</a:t>
             </a:fld>
             <a:endParaRPr kumimoji="1" lang="ja-JP" altLang="en-US"/>
           </a:p>
@@ -2347,7 +2347,7 @@
           <a:p>
             <a:fld id="{D522B5A1-0951-494E-A89F-238EF8F36C4A}" type="datetimeFigureOut">
               <a:rPr kumimoji="1" lang="ja-JP" altLang="en-US" smtClean="0"/>
-              <a:t>2017/1/26</a:t>
+              <a:t>2017/1/27</a:t>
             </a:fld>
             <a:endParaRPr kumimoji="1" lang="ja-JP" altLang="en-US"/>
           </a:p>
@@ -2599,7 +2599,7 @@
           <a:p>
             <a:fld id="{D522B5A1-0951-494E-A89F-238EF8F36C4A}" type="datetimeFigureOut">
               <a:rPr kumimoji="1" lang="ja-JP" altLang="en-US" smtClean="0"/>
-              <a:t>2017/1/26</a:t>
+              <a:t>2017/1/27</a:t>
             </a:fld>
             <a:endParaRPr kumimoji="1" lang="ja-JP" altLang="en-US"/>
           </a:p>
@@ -2842,7 +2842,7 @@
           <a:p>
             <a:fld id="{D522B5A1-0951-494E-A89F-238EF8F36C4A}" type="datetimeFigureOut">
               <a:rPr kumimoji="1" lang="ja-JP" altLang="en-US" smtClean="0"/>
-              <a:t>2017/1/26</a:t>
+              <a:t>2017/1/27</a:t>
             </a:fld>
             <a:endParaRPr kumimoji="1" lang="ja-JP" altLang="en-US"/>
           </a:p>
@@ -3259,8 +3259,8 @@
         </p:nvSpPr>
         <p:spPr>
           <a:xfrm>
-            <a:off x="5520318" y="1517515"/>
-            <a:ext cx="6395972" cy="3365044"/>
+            <a:off x="5520318" y="1491218"/>
+            <a:ext cx="6395972" cy="3899992"/>
           </a:xfrm>
           <a:prstGeom prst="rect">
             <a:avLst/>
@@ -3338,7 +3338,7 @@
         <p:spPr>
           <a:xfrm>
             <a:off x="632298" y="1517515"/>
-            <a:ext cx="4538603" cy="3365044"/>
+            <a:ext cx="4538603" cy="3899992"/>
           </a:xfrm>
           <a:prstGeom prst="rect">
             <a:avLst/>
@@ -3826,6 +3826,37 @@
           <p:nvPr/>
         </p:nvPicPr>
         <p:blipFill>
+          <a:blip r:embed="rId14">
+            <a:biLevel thresh="25000"/>
+            <a:extLst>
+              <a:ext uri="{28A0092B-C50C-407E-A947-70E740481C1C}">
+                <a14:useLocalDpi xmlns:a14="http://schemas.microsoft.com/office/drawing/2010/main" val="0"/>
+              </a:ext>
+            </a:extLst>
+          </a:blip>
+          <a:stretch>
+            <a:fillRect/>
+          </a:stretch>
+        </p:blipFill>
+        <p:spPr>
+          <a:xfrm>
+            <a:off x="5896425" y="2358306"/>
+            <a:ext cx="600965" cy="600965"/>
+          </a:xfrm>
+          <a:prstGeom prst="rect">
+            <a:avLst/>
+          </a:prstGeom>
+        </p:spPr>
+      </p:pic>
+      <p:pic>
+        <p:nvPicPr>
+          <p:cNvPr id="13" name="図 12"/>
+          <p:cNvPicPr>
+            <a:picLocks noChangeAspect="1"/>
+          </p:cNvPicPr>
+          <p:nvPr/>
+        </p:nvPicPr>
+        <p:blipFill>
           <a:blip r:embed="rId15">
             <a:biLevel thresh="25000"/>
             <a:extLst>
@@ -3840,8 +3871,8 @@
         </p:blipFill>
         <p:spPr>
           <a:xfrm>
-            <a:off x="5830866" y="2029888"/>
-            <a:ext cx="780290" cy="780290"/>
+            <a:off x="6923159" y="2368697"/>
+            <a:ext cx="600965" cy="600965"/>
           </a:xfrm>
           <a:prstGeom prst="rect">
             <a:avLst/>
@@ -3850,7 +3881,7 @@
       </p:pic>
       <p:pic>
         <p:nvPicPr>
-          <p:cNvPr id="13" name="図 12"/>
+          <p:cNvPr id="14" name="図 13"/>
           <p:cNvPicPr>
             <a:picLocks noChangeAspect="1"/>
           </p:cNvPicPr>
@@ -3871,8 +3902,8 @@
         </p:blipFill>
         <p:spPr>
           <a:xfrm>
-            <a:off x="6857600" y="2040279"/>
-            <a:ext cx="780290" cy="780290"/>
+            <a:off x="7953013" y="2347541"/>
+            <a:ext cx="600965" cy="600965"/>
           </a:xfrm>
           <a:prstGeom prst="rect">
             <a:avLst/>
@@ -3881,7 +3912,7 @@
       </p:pic>
       <p:pic>
         <p:nvPicPr>
-          <p:cNvPr id="14" name="図 13"/>
+          <p:cNvPr id="15" name="図 14"/>
           <p:cNvPicPr>
             <a:picLocks noChangeAspect="1"/>
           </p:cNvPicPr>
@@ -3902,45 +3933,14 @@
         </p:blipFill>
         <p:spPr>
           <a:xfrm>
-            <a:off x="7887454" y="2019123"/>
-            <a:ext cx="780290" cy="780290"/>
+            <a:off x="9338049" y="2347541"/>
+            <a:ext cx="600965" cy="600965"/>
           </a:xfrm>
           <a:prstGeom prst="rect">
             <a:avLst/>
           </a:prstGeom>
         </p:spPr>
       </p:pic>
-      <p:pic>
-        <p:nvPicPr>
-          <p:cNvPr id="15" name="図 14"/>
-          <p:cNvPicPr>
-            <a:picLocks noChangeAspect="1"/>
-          </p:cNvPicPr>
-          <p:nvPr/>
-        </p:nvPicPr>
-        <p:blipFill>
-          <a:blip r:embed="rId18">
-            <a:biLevel thresh="25000"/>
-            <a:extLst>
-              <a:ext uri="{28A0092B-C50C-407E-A947-70E740481C1C}">
-                <a14:useLocalDpi xmlns:a14="http://schemas.microsoft.com/office/drawing/2010/main" val="0"/>
-              </a:ext>
-            </a:extLst>
-          </a:blip>
-          <a:stretch>
-            <a:fillRect/>
-          </a:stretch>
-        </p:blipFill>
-        <p:spPr>
-          <a:xfrm>
-            <a:off x="9272490" y="2019123"/>
-            <a:ext cx="780290" cy="780290"/>
-          </a:xfrm>
-          <a:prstGeom prst="rect">
-            <a:avLst/>
-          </a:prstGeom>
-        </p:spPr>
-      </p:pic>
       <p:sp>
         <p:nvSpPr>
           <p:cNvPr id="16" name="正方形/長方形 15"/>
@@ -3953,8 +3953,8 @@
         </p:nvSpPr>
         <p:spPr>
           <a:xfrm>
-            <a:off x="10001214" y="3564853"/>
-            <a:ext cx="1778863" cy="807309"/>
+            <a:off x="10019303" y="3780013"/>
+            <a:ext cx="1778863" cy="689071"/>
           </a:xfrm>
           <a:prstGeom prst="rect">
             <a:avLst/>
@@ -4053,8 +4053,8 @@
         </p:nvSpPr>
         <p:spPr>
           <a:xfrm>
-            <a:off x="7542412" y="3883647"/>
-            <a:ext cx="2168580" cy="488515"/>
+            <a:off x="5896426" y="4764705"/>
+            <a:ext cx="4221914" cy="488515"/>
           </a:xfrm>
           <a:prstGeom prst="rect">
             <a:avLst/>
@@ -4104,6 +4104,22 @@
           <a:p>
             <a:pPr algn="ctr"/>
             <a:r>
+              <a:rPr lang="en-US" altLang="ja-JP" sz="1200" dirty="0">
+                <a:solidFill>
+                  <a:srgbClr val="000000"/>
+                </a:solidFill>
+              </a:rPr>
+              <a:t>Store/Notification to share status</a:t>
+            </a:r>
+            <a:endParaRPr kumimoji="1" lang="en-US" altLang="ja-JP" sz="1200" dirty="0">
+              <a:solidFill>
+                <a:srgbClr val="000000"/>
+              </a:solidFill>
+            </a:endParaRPr>
+          </a:p>
+          <a:p>
+            <a:pPr algn="ctr"/>
+            <a:r>
               <a:rPr kumimoji="1" lang="en-US" altLang="ja-JP" sz="1200" dirty="0">
                 <a:solidFill>
                   <a:srgbClr val="000000"/>
@@ -4161,8 +4177,8 @@
         </p:nvSpPr>
         <p:spPr>
           <a:xfrm>
-            <a:off x="2656617" y="5663187"/>
-            <a:ext cx="2272512" cy="488515"/>
+            <a:off x="2635469" y="6064087"/>
+            <a:ext cx="2719407" cy="488515"/>
           </a:xfrm>
           <a:prstGeom prst="rect">
             <a:avLst/>
@@ -4212,18 +4228,13 @@
           <a:p>
             <a:pPr algn="ctr"/>
             <a:r>
-              <a:rPr lang="ja-JP" altLang="en-US" sz="3200" dirty="0">
+              <a:rPr lang="en-US" altLang="ja-JP" sz="2400" dirty="0">
                 <a:solidFill>
                   <a:srgbClr val="FFFFFF"/>
                 </a:solidFill>
               </a:rPr>
-              <a:t>伝票</a:t>
-            </a:r>
-            <a:endParaRPr lang="en-US" altLang="ja-JP" sz="3200" dirty="0">
-              <a:solidFill>
-                <a:srgbClr val="FFFFFF"/>
-              </a:solidFill>
-            </a:endParaRPr>
+              <a:t>Purchas Order</a:t>
+            </a:r>
           </a:p>
         </p:txBody>
       </p:sp>
@@ -4231,6 +4242,7 @@
         <p:nvCxnSpPr>
           <p:cNvPr id="21" name="直線矢印コネクタ 20"/>
           <p:cNvCxnSpPr>
+            <a:cxnSpLocks/>
             <a:stCxn id="11" idx="3"/>
             <a:endCxn id="12" idx="1"/>
           </p:cNvCxnSpPr>
@@ -4238,8 +4250,8 @@
         </p:nvCxnSpPr>
         <p:spPr>
           <a:xfrm flipV="1">
-            <a:off x="4835046" y="2420033"/>
-            <a:ext cx="995820" cy="409282"/>
+            <a:off x="4835046" y="2658789"/>
+            <a:ext cx="1061379" cy="170526"/>
           </a:xfrm>
           <a:prstGeom prst="straightConnector1">
             <a:avLst/>
@@ -4279,8 +4291,8 @@
         </p:nvCxnSpPr>
         <p:spPr>
           <a:xfrm>
-            <a:off x="6611156" y="2420033"/>
-            <a:ext cx="246444" cy="10391"/>
+            <a:off x="6497390" y="2658789"/>
+            <a:ext cx="425769" cy="10391"/>
           </a:xfrm>
           <a:prstGeom prst="straightConnector1">
             <a:avLst/>
@@ -4319,8 +4331,8 @@
         </p:nvCxnSpPr>
         <p:spPr>
           <a:xfrm flipV="1">
-            <a:off x="7637890" y="2409268"/>
-            <a:ext cx="249564" cy="21156"/>
+            <a:off x="7524124" y="2648024"/>
+            <a:ext cx="428889" cy="21156"/>
           </a:xfrm>
           <a:prstGeom prst="straightConnector1">
             <a:avLst/>
@@ -4359,8 +4371,8 @@
         </p:nvCxnSpPr>
         <p:spPr>
           <a:xfrm flipH="1">
-            <a:off x="8667744" y="2409268"/>
-            <a:ext cx="604746" cy="0"/>
+            <a:off x="8553978" y="2648024"/>
+            <a:ext cx="784071" cy="0"/>
           </a:xfrm>
           <a:prstGeom prst="straightConnector1">
             <a:avLst/>
@@ -4370,76 +4382,6 @@
               <a:schemeClr val="accent2"/>
             </a:solidFill>
             <a:tailEnd type="triangle"/>
-          </a:ln>
-        </p:spPr>
-        <p:style>
-          <a:lnRef idx="1">
-            <a:schemeClr val="accent1"/>
-          </a:lnRef>
-          <a:fillRef idx="0">
-            <a:schemeClr val="accent1"/>
-          </a:fillRef>
-          <a:effectRef idx="0">
-            <a:schemeClr val="accent1"/>
-          </a:effectRef>
-          <a:fontRef idx="minor">
-            <a:schemeClr val="tx1"/>
-          </a:fontRef>
-        </p:style>
-      </p:cxnSp>
-      <p:cxnSp>
-        <p:nvCxnSpPr>
-          <p:cNvPr id="39" name="直線コネクタ 38"/>
-          <p:cNvCxnSpPr>
-            <a:cxnSpLocks/>
-          </p:cNvCxnSpPr>
-          <p:nvPr/>
-        </p:nvCxnSpPr>
-        <p:spPr>
-          <a:xfrm flipH="1">
-            <a:off x="7597162" y="2664910"/>
-            <a:ext cx="382516" cy="1218737"/>
-          </a:xfrm>
-          <a:prstGeom prst="line">
-            <a:avLst/>
-          </a:prstGeom>
-          <a:ln>
-            <a:prstDash val="sysDash"/>
-          </a:ln>
-        </p:spPr>
-        <p:style>
-          <a:lnRef idx="1">
-            <a:schemeClr val="accent1"/>
-          </a:lnRef>
-          <a:fillRef idx="0">
-            <a:schemeClr val="accent1"/>
-          </a:fillRef>
-          <a:effectRef idx="0">
-            <a:schemeClr val="accent1"/>
-          </a:effectRef>
-          <a:fontRef idx="minor">
-            <a:schemeClr val="tx1"/>
-          </a:fontRef>
-        </p:style>
-      </p:cxnSp>
-      <p:cxnSp>
-        <p:nvCxnSpPr>
-          <p:cNvPr id="40" name="直線コネクタ 39"/>
-          <p:cNvCxnSpPr>
-            <a:cxnSpLocks/>
-          </p:cNvCxnSpPr>
-          <p:nvPr/>
-        </p:nvCxnSpPr>
-        <p:spPr>
-          <a:xfrm>
-            <a:off x="8619387" y="2735370"/>
-            <a:ext cx="1091605" cy="1148277"/>
-          </a:xfrm>
-          <a:prstGeom prst="line">
-            <a:avLst/>
-          </a:prstGeom>
-          <a:ln>
-            <a:prstDash val="sysDash"/>
           </a:ln>
         </p:spPr>
         <p:style>
@@ -4591,13 +4533,13 @@
           <p:nvPr/>
         </p:nvPicPr>
         <p:blipFill>
-          <a:blip r:embed="rId19">
+          <a:blip r:embed="rId18">
             <a:extLst>
               <a:ext uri="{28A0092B-C50C-407E-A947-70E740481C1C}">
                 <a14:useLocalDpi xmlns:a14="http://schemas.microsoft.com/office/drawing/2010/main" val="0"/>
               </a:ext>
               <a:ext uri="{96DAC541-7B7A-43D3-8B79-37D633B846F1}">
-                <asvg:svgBlip xmlns:asvg="http://schemas.microsoft.com/office/drawing/2016/SVG/main" r:embed="rId20"/>
+                <asvg:svgBlip xmlns:asvg="http://schemas.microsoft.com/office/drawing/2016/SVG/main" r:embed="rId19"/>
               </a:ext>
             </a:extLst>
           </a:blip>
@@ -4607,7 +4549,7 @@
         </p:blipFill>
         <p:spPr>
           <a:xfrm>
-            <a:off x="1217661" y="5461889"/>
+            <a:off x="1365602" y="5788590"/>
             <a:ext cx="914400" cy="914400"/>
           </a:xfrm>
           <a:prstGeom prst="rect">
@@ -4627,8 +4569,8 @@
         </p:nvSpPr>
         <p:spPr>
           <a:xfrm>
-            <a:off x="2656617" y="5081378"/>
-            <a:ext cx="2272512" cy="488515"/>
+            <a:off x="2635469" y="5482278"/>
+            <a:ext cx="2719407" cy="488515"/>
           </a:xfrm>
           <a:prstGeom prst="rect">
             <a:avLst/>
@@ -4678,18 +4620,13 @@
           <a:p>
             <a:pPr algn="ctr"/>
             <a:r>
-              <a:rPr lang="ja-JP" altLang="en-US" sz="3200" dirty="0">
+              <a:rPr lang="en-US" altLang="ja-JP" sz="2400" dirty="0">
                 <a:solidFill>
                   <a:srgbClr val="FFFFFF"/>
                 </a:solidFill>
               </a:rPr>
-              <a:t>生コン</a:t>
-            </a:r>
-            <a:endParaRPr lang="en-US" altLang="ja-JP" sz="3200" dirty="0">
-              <a:solidFill>
-                <a:srgbClr val="FFFFFF"/>
-              </a:solidFill>
-            </a:endParaRPr>
+              <a:t>Raw Cement</a:t>
+            </a:r>
           </a:p>
         </p:txBody>
       </p:sp>
@@ -4705,8 +4642,8 @@
         </p:nvCxnSpPr>
         <p:spPr>
           <a:xfrm rot="16200000" flipH="1">
-            <a:off x="1608913" y="4277931"/>
-            <a:ext cx="1135679" cy="959729"/>
+            <a:off x="1397889" y="4488955"/>
+            <a:ext cx="1536579" cy="938581"/>
           </a:xfrm>
           <a:prstGeom prst="curvedConnector2">
             <a:avLst/>
@@ -4734,6 +4671,7 @@
         <p:nvCxnSpPr>
           <p:cNvPr id="72" name="コネクタ: 曲線 71"/>
           <p:cNvCxnSpPr>
+            <a:cxnSpLocks/>
             <a:stCxn id="47" idx="3"/>
             <a:endCxn id="19" idx="3"/>
           </p:cNvCxnSpPr>
@@ -4742,11 +4680,11 @@
         <p:spPr>
           <a:xfrm>
             <a:off x="4928730" y="4449156"/>
-            <a:ext cx="399" cy="1458289"/>
+            <a:ext cx="426146" cy="1859189"/>
           </a:xfrm>
           <a:prstGeom prst="curvedConnector3">
             <a:avLst>
-              <a:gd name="adj1" fmla="val 57393233"/>
+              <a:gd name="adj1" fmla="val 153644"/>
             </a:avLst>
           </a:prstGeom>
           <a:ln>
@@ -4777,13 +4715,13 @@
           <p:nvPr/>
         </p:nvPicPr>
         <p:blipFill>
-          <a:blip r:embed="rId21">
+          <a:blip r:embed="rId20">
             <a:extLst>
               <a:ext uri="{28A0092B-C50C-407E-A947-70E740481C1C}">
                 <a14:useLocalDpi xmlns:a14="http://schemas.microsoft.com/office/drawing/2010/main" val="0"/>
               </a:ext>
               <a:ext uri="{96DAC541-7B7A-43D3-8B79-37D633B846F1}">
-                <asvg:svgBlip xmlns:asvg="http://schemas.microsoft.com/office/drawing/2016/SVG/main" r:embed="rId22"/>
+                <asvg:svgBlip xmlns:asvg="http://schemas.microsoft.com/office/drawing/2016/SVG/main" r:embed="rId21"/>
               </a:ext>
             </a:extLst>
           </a:blip>
@@ -4806,19 +4744,19 @@
           <p:cNvPr id="36" name="コネクタ: カギ線 35"/>
           <p:cNvCxnSpPr>
             <a:cxnSpLocks/>
-            <a:stCxn id="15" idx="2"/>
-            <a:endCxn id="12" idx="2"/>
+            <a:stCxn id="15" idx="0"/>
+            <a:endCxn id="12" idx="0"/>
           </p:cNvCxnSpPr>
           <p:nvPr/>
         </p:nvCxnSpPr>
         <p:spPr>
-          <a:xfrm rot="5400000">
-            <a:off x="7936441" y="1083983"/>
+          <a:xfrm rot="16200000" flipH="1" flipV="1">
+            <a:off x="7912337" y="632111"/>
             <a:ext cx="10765" cy="3441624"/>
           </a:xfrm>
           <a:prstGeom prst="bentConnector3">
             <a:avLst>
-              <a:gd name="adj1" fmla="val 2223549"/>
+              <a:gd name="adj1" fmla="val -2123549"/>
             </a:avLst>
           </a:prstGeom>
           <a:ln w="57150">
@@ -4855,8 +4793,8 @@
         </p:nvCxnSpPr>
         <p:spPr>
           <a:xfrm>
-            <a:off x="10052780" y="2409268"/>
-            <a:ext cx="837866" cy="1155585"/>
+            <a:off x="9939014" y="2648024"/>
+            <a:ext cx="969721" cy="1131989"/>
           </a:xfrm>
           <a:prstGeom prst="bentConnector2">
             <a:avLst/>
@@ -4896,8 +4834,8 @@
         </p:nvSpPr>
         <p:spPr>
           <a:xfrm>
-            <a:off x="10082762" y="1566569"/>
-            <a:ext cx="1778863" cy="473710"/>
+            <a:off x="9999470" y="1998627"/>
+            <a:ext cx="1769319" cy="473710"/>
           </a:xfrm>
           <a:prstGeom prst="rect">
             <a:avLst/>
@@ -4952,109 +4890,433 @@
                   <a:srgbClr val="FFFFFF"/>
                 </a:solidFill>
               </a:rPr>
-              <a:t>&lt;&lt;ASP.NET </a:t>
-            </a:r>
-            <a:r>
-              <a:rPr lang="en-US" altLang="ja-JP" sz="1200" dirty="0" err="1">
-                <a:solidFill>
-                  <a:srgbClr val="FFFFFF"/>
-                </a:solidFill>
-              </a:rPr>
-              <a:t>SignalR</a:t>
-            </a:r>
-            <a:r>
-              <a:rPr kumimoji="1" lang="en-US" altLang="ja-JP" sz="1200" dirty="0">
-                <a:solidFill>
-                  <a:srgbClr val="FFFFFF"/>
-                </a:solidFill>
-              </a:rPr>
-              <a:t>&gt;&gt;</a:t>
-            </a:r>
-          </a:p>
-        </p:txBody>
-      </p:sp>
-      <p:sp>
-        <p:nvSpPr>
-          <p:cNvPr id="59" name="吹き出し: 角を丸めた四角形 58"/>
-          <p:cNvSpPr/>
-          <p:nvPr>
-            <p:custDataLst>
-              <p:tags r:id="rId13"/>
-            </p:custDataLst>
-          </p:nvPr>
-        </p:nvSpPr>
+              <a:t>&lt;&lt;ASP.NET Web API&gt;&gt;</a:t>
+            </a:r>
+            <a:endParaRPr lang="en-US" altLang="ja-JP" sz="1200" dirty="0">
+              <a:solidFill>
+                <a:srgbClr val="FFFFFF"/>
+              </a:solidFill>
+            </a:endParaRPr>
+          </a:p>
+        </p:txBody>
+      </p:sp>
+      <p:pic>
+        <p:nvPicPr>
+          <p:cNvPr id="3" name="図 2"/>
+          <p:cNvPicPr>
+            <a:picLocks noChangeAspect="1"/>
+          </p:cNvPicPr>
+          <p:nvPr/>
+        </p:nvPicPr>
+        <p:blipFill>
+          <a:blip r:embed="rId22">
+            <a:biLevel thresh="25000"/>
+            <a:extLst>
+              <a:ext uri="{28A0092B-C50C-407E-A947-70E740481C1C}">
+                <a14:useLocalDpi xmlns:a14="http://schemas.microsoft.com/office/drawing/2010/main" val="0"/>
+              </a:ext>
+            </a:extLst>
+          </a:blip>
+          <a:stretch>
+            <a:fillRect/>
+          </a:stretch>
+        </p:blipFill>
         <p:spPr>
           <a:xfrm>
-            <a:off x="10958018" y="723868"/>
-            <a:ext cx="1112108" cy="588683"/>
-          </a:xfrm>
-          <a:prstGeom prst="wedgeRoundRectCallout">
+            <a:off x="9029682" y="3790114"/>
+            <a:ext cx="616733" cy="616733"/>
+          </a:xfrm>
+          <a:prstGeom prst="rect">
+            <a:avLst/>
+          </a:prstGeom>
+        </p:spPr>
+      </p:pic>
+      <p:pic>
+        <p:nvPicPr>
+          <p:cNvPr id="17" name="図 16"/>
+          <p:cNvPicPr>
+            <a:picLocks noChangeAspect="1"/>
+          </p:cNvPicPr>
+          <p:nvPr/>
+        </p:nvPicPr>
+        <p:blipFill>
+          <a:blip r:embed="rId23">
+            <a:biLevel thresh="25000"/>
+            <a:extLst>
+              <a:ext uri="{28A0092B-C50C-407E-A947-70E740481C1C}">
+                <a14:useLocalDpi xmlns:a14="http://schemas.microsoft.com/office/drawing/2010/main" val="0"/>
+              </a:ext>
+            </a:extLst>
+          </a:blip>
+          <a:stretch>
+            <a:fillRect/>
+          </a:stretch>
+        </p:blipFill>
+        <p:spPr>
+          <a:xfrm>
+            <a:off x="8048966" y="3790115"/>
+            <a:ext cx="616733" cy="616733"/>
+          </a:xfrm>
+          <a:prstGeom prst="rect">
+            <a:avLst/>
+          </a:prstGeom>
+        </p:spPr>
+      </p:pic>
+      <p:cxnSp>
+        <p:nvCxnSpPr>
+          <p:cNvPr id="23" name="コネクタ: カギ線 22"/>
+          <p:cNvCxnSpPr>
+            <a:cxnSpLocks/>
+            <a:stCxn id="13" idx="3"/>
+            <a:endCxn id="17" idx="1"/>
+          </p:cNvCxnSpPr>
+          <p:nvPr/>
+        </p:nvCxnSpPr>
+        <p:spPr>
+          <a:xfrm>
+            <a:off x="7524124" y="2669180"/>
+            <a:ext cx="524842" cy="1429302"/>
+          </a:xfrm>
+          <a:prstGeom prst="bentConnector3">
             <a:avLst>
-              <a:gd name="adj1" fmla="val -70833"/>
-              <a:gd name="adj2" fmla="val 113267"/>
-              <a:gd name="adj3" fmla="val 16667"/>
+              <a:gd name="adj1" fmla="val 50000"/>
             </a:avLst>
           </a:prstGeom>
-          <a:solidFill>
-            <a:srgbClr val="DD5900"/>
-          </a:solidFill>
-          <a:ln w="12700" cap="flat" cmpd="sng" algn="ctr">
-            <a:noFill/>
-            <a:prstDash val="solid"/>
-            <a:miter lim="800000"/>
+          <a:ln w="38100">
+            <a:solidFill>
+              <a:schemeClr val="accent2"/>
+            </a:solidFill>
+            <a:tailEnd type="triangle"/>
           </a:ln>
-          <a:effectLst/>
-          <a:extLst>
-            <a:ext uri="{91240B29-F687-4F45-9708-019B960494DF}">
-              <a14:hiddenLine xmlns:a14="http://schemas.microsoft.com/office/drawing/2010/main" w="12700" cap="flat" cmpd="sng" algn="ctr">
-                <a:solidFill>
-                  <a:schemeClr val="accent1">
-                    <a:shade val="50000"/>
-                  </a:schemeClr>
-                </a:solidFill>
-                <a:prstDash val="solid"/>
-                <a:miter lim="800000"/>
-              </a14:hiddenLine>
-            </a:ext>
-          </a:extLst>
         </p:spPr>
         <p:style>
-          <a:lnRef idx="2">
-            <a:schemeClr val="accent1">
-              <a:shade val="50000"/>
-            </a:schemeClr>
+          <a:lnRef idx="1">
+            <a:schemeClr val="accent1"/>
           </a:lnRef>
-          <a:fillRef idx="1">
+          <a:fillRef idx="0">
             <a:schemeClr val="accent1"/>
           </a:fillRef>
           <a:effectRef idx="0">
             <a:schemeClr val="accent1"/>
           </a:effectRef>
           <a:fontRef idx="minor">
-            <a:schemeClr val="lt1"/>
+            <a:schemeClr val="tx1"/>
           </a:fontRef>
         </p:style>
-        <p:txBody>
-          <a:bodyPr rtlCol="0" anchor="ctr"/>
-          <a:lstStyle/>
-          <a:p>
-            <a:pPr algn="ctr"/>
-            <a:r>
-              <a:rPr lang="en-US" altLang="ja-JP" dirty="0">
-                <a:solidFill>
-                  <a:srgbClr val="000000"/>
-                </a:solidFill>
-              </a:rPr>
-              <a:t>Option</a:t>
-            </a:r>
-            <a:endParaRPr kumimoji="1" lang="ja-JP" altLang="en-US" dirty="0">
-              <a:solidFill>
-                <a:srgbClr val="000000"/>
-              </a:solidFill>
-            </a:endParaRPr>
-          </a:p>
-        </p:txBody>
-      </p:sp>
+      </p:cxnSp>
+      <p:cxnSp>
+        <p:nvCxnSpPr>
+          <p:cNvPr id="55" name="コネクタ: カギ線 54"/>
+          <p:cNvCxnSpPr>
+            <a:cxnSpLocks/>
+            <a:stCxn id="3" idx="1"/>
+            <a:endCxn id="14" idx="3"/>
+          </p:cNvCxnSpPr>
+          <p:nvPr/>
+        </p:nvCxnSpPr>
+        <p:spPr>
+          <a:xfrm rot="10800000">
+            <a:off x="8553978" y="2648025"/>
+            <a:ext cx="475704" cy="1450457"/>
+          </a:xfrm>
+          <a:prstGeom prst="bentConnector3">
+            <a:avLst>
+              <a:gd name="adj1" fmla="val 50000"/>
+            </a:avLst>
+          </a:prstGeom>
+          <a:ln w="38100">
+            <a:solidFill>
+              <a:schemeClr val="accent2"/>
+            </a:solidFill>
+            <a:tailEnd type="triangle"/>
+          </a:ln>
+        </p:spPr>
+        <p:style>
+          <a:lnRef idx="1">
+            <a:schemeClr val="accent1"/>
+          </a:lnRef>
+          <a:fillRef idx="0">
+            <a:schemeClr val="accent1"/>
+          </a:fillRef>
+          <a:effectRef idx="0">
+            <a:schemeClr val="accent1"/>
+          </a:effectRef>
+          <a:fontRef idx="minor">
+            <a:schemeClr val="tx1"/>
+          </a:fontRef>
+        </p:style>
+      </p:cxnSp>
+      <p:cxnSp>
+        <p:nvCxnSpPr>
+          <p:cNvPr id="56" name="コネクタ: カギ線 55"/>
+          <p:cNvCxnSpPr>
+            <a:cxnSpLocks/>
+            <a:stCxn id="3" idx="3"/>
+            <a:endCxn id="15" idx="2"/>
+          </p:cNvCxnSpPr>
+          <p:nvPr/>
+        </p:nvCxnSpPr>
+        <p:spPr>
+          <a:xfrm flipH="1" flipV="1">
+            <a:off x="9638532" y="2948506"/>
+            <a:ext cx="7883" cy="1149975"/>
+          </a:xfrm>
+          <a:prstGeom prst="bentConnector4">
+            <a:avLst>
+              <a:gd name="adj1" fmla="val -2899911"/>
+              <a:gd name="adj2" fmla="val 63408"/>
+            </a:avLst>
+          </a:prstGeom>
+          <a:ln w="38100">
+            <a:solidFill>
+              <a:schemeClr val="accent2"/>
+            </a:solidFill>
+            <a:tailEnd type="triangle"/>
+          </a:ln>
+        </p:spPr>
+        <p:style>
+          <a:lnRef idx="1">
+            <a:schemeClr val="accent1"/>
+          </a:lnRef>
+          <a:fillRef idx="0">
+            <a:schemeClr val="accent1"/>
+          </a:fillRef>
+          <a:effectRef idx="0">
+            <a:schemeClr val="accent1"/>
+          </a:effectRef>
+          <a:fontRef idx="minor">
+            <a:schemeClr val="tx1"/>
+          </a:fontRef>
+        </p:style>
+      </p:cxnSp>
+      <p:pic>
+        <p:nvPicPr>
+          <p:cNvPr id="8" name="図 7"/>
+          <p:cNvPicPr>
+            <a:picLocks noChangeAspect="1"/>
+          </p:cNvPicPr>
+          <p:nvPr/>
+        </p:nvPicPr>
+        <p:blipFill>
+          <a:blip r:embed="rId24">
+            <a:biLevel thresh="25000"/>
+            <a:extLst>
+              <a:ext uri="{28A0092B-C50C-407E-A947-70E740481C1C}">
+                <a14:useLocalDpi xmlns:a14="http://schemas.microsoft.com/office/drawing/2010/main" val="0"/>
+              </a:ext>
+            </a:extLst>
+          </a:blip>
+          <a:stretch>
+            <a:fillRect/>
+          </a:stretch>
+        </p:blipFill>
+        <p:spPr>
+          <a:xfrm>
+            <a:off x="6991873" y="3778706"/>
+            <a:ext cx="477644" cy="477644"/>
+          </a:xfrm>
+          <a:prstGeom prst="rect">
+            <a:avLst/>
+          </a:prstGeom>
+        </p:spPr>
+      </p:pic>
+      <p:pic>
+        <p:nvPicPr>
+          <p:cNvPr id="24" name="図 23"/>
+          <p:cNvPicPr>
+            <a:picLocks noChangeAspect="1"/>
+          </p:cNvPicPr>
+          <p:nvPr/>
+        </p:nvPicPr>
+        <p:blipFill>
+          <a:blip r:embed="rId25">
+            <a:biLevel thresh="25000"/>
+            <a:extLst>
+              <a:ext uri="{28A0092B-C50C-407E-A947-70E740481C1C}">
+                <a14:useLocalDpi xmlns:a14="http://schemas.microsoft.com/office/drawing/2010/main" val="0"/>
+              </a:ext>
+            </a:extLst>
+          </a:blip>
+          <a:stretch>
+            <a:fillRect/>
+          </a:stretch>
+        </p:blipFill>
+        <p:spPr>
+          <a:xfrm>
+            <a:off x="6323417" y="3257888"/>
+            <a:ext cx="531209" cy="531209"/>
+          </a:xfrm>
+          <a:prstGeom prst="rect">
+            <a:avLst/>
+          </a:prstGeom>
+        </p:spPr>
+      </p:pic>
+      <p:cxnSp>
+        <p:nvCxnSpPr>
+          <p:cNvPr id="46" name="コネクタ: カギ線 45"/>
+          <p:cNvCxnSpPr>
+            <a:cxnSpLocks/>
+            <a:stCxn id="24" idx="0"/>
+            <a:endCxn id="13" idx="2"/>
+          </p:cNvCxnSpPr>
+          <p:nvPr/>
+        </p:nvCxnSpPr>
+        <p:spPr>
+          <a:xfrm rot="5400000" flipH="1" flipV="1">
+            <a:off x="6762219" y="2796465"/>
+            <a:ext cx="288226" cy="634620"/>
+          </a:xfrm>
+          <a:prstGeom prst="bentConnector3">
+            <a:avLst>
+              <a:gd name="adj1" fmla="val 50000"/>
+            </a:avLst>
+          </a:prstGeom>
+          <a:ln w="38100">
+            <a:solidFill>
+              <a:schemeClr val="tx2"/>
+            </a:solidFill>
+            <a:tailEnd type="triangle"/>
+          </a:ln>
+        </p:spPr>
+        <p:style>
+          <a:lnRef idx="1">
+            <a:schemeClr val="accent1"/>
+          </a:lnRef>
+          <a:fillRef idx="0">
+            <a:schemeClr val="accent1"/>
+          </a:fillRef>
+          <a:effectRef idx="0">
+            <a:schemeClr val="accent1"/>
+          </a:effectRef>
+          <a:fontRef idx="minor">
+            <a:schemeClr val="tx1"/>
+          </a:fontRef>
+        </p:style>
+      </p:cxnSp>
+      <p:cxnSp>
+        <p:nvCxnSpPr>
+          <p:cNvPr id="64" name="コネクタ: カギ線 63"/>
+          <p:cNvCxnSpPr>
+            <a:cxnSpLocks/>
+            <a:stCxn id="8" idx="1"/>
+            <a:endCxn id="24" idx="2"/>
+          </p:cNvCxnSpPr>
+          <p:nvPr/>
+        </p:nvCxnSpPr>
+        <p:spPr>
+          <a:xfrm rot="10800000">
+            <a:off x="6589023" y="3789098"/>
+            <a:ext cx="402851" cy="228431"/>
+          </a:xfrm>
+          <a:prstGeom prst="bentConnector2">
+            <a:avLst/>
+          </a:prstGeom>
+          <a:ln w="38100">
+            <a:solidFill>
+              <a:schemeClr val="tx2"/>
+            </a:solidFill>
+            <a:tailEnd type="triangle"/>
+          </a:ln>
+        </p:spPr>
+        <p:style>
+          <a:lnRef idx="1">
+            <a:schemeClr val="accent1"/>
+          </a:lnRef>
+          <a:fillRef idx="0">
+            <a:schemeClr val="accent1"/>
+          </a:fillRef>
+          <a:effectRef idx="0">
+            <a:schemeClr val="accent1"/>
+          </a:effectRef>
+          <a:fontRef idx="minor">
+            <a:schemeClr val="tx1"/>
+          </a:fontRef>
+        </p:style>
+      </p:cxnSp>
+      <p:cxnSp>
+        <p:nvCxnSpPr>
+          <p:cNvPr id="67" name="コネクタ: カギ線 66"/>
+          <p:cNvCxnSpPr>
+            <a:cxnSpLocks/>
+            <a:stCxn id="14" idx="2"/>
+            <a:endCxn id="8" idx="0"/>
+          </p:cNvCxnSpPr>
+          <p:nvPr/>
+        </p:nvCxnSpPr>
+        <p:spPr>
+          <a:xfrm rot="5400000">
+            <a:off x="7326996" y="2852206"/>
+            <a:ext cx="830200" cy="1022801"/>
+          </a:xfrm>
+          <a:prstGeom prst="bentConnector3">
+            <a:avLst>
+              <a:gd name="adj1" fmla="val 50000"/>
+            </a:avLst>
+          </a:prstGeom>
+          <a:ln w="38100">
+            <a:solidFill>
+              <a:schemeClr val="tx2"/>
+            </a:solidFill>
+            <a:tailEnd type="triangle"/>
+          </a:ln>
+        </p:spPr>
+        <p:style>
+          <a:lnRef idx="1">
+            <a:schemeClr val="accent1"/>
+          </a:lnRef>
+          <a:fillRef idx="0">
+            <a:schemeClr val="accent1"/>
+          </a:fillRef>
+          <a:effectRef idx="0">
+            <a:schemeClr val="accent1"/>
+          </a:effectRef>
+          <a:fontRef idx="minor">
+            <a:schemeClr val="tx1"/>
+          </a:fontRef>
+        </p:style>
+      </p:cxnSp>
+      <p:cxnSp>
+        <p:nvCxnSpPr>
+          <p:cNvPr id="87" name="コネクタ: カギ線 86"/>
+          <p:cNvCxnSpPr>
+            <a:cxnSpLocks/>
+            <a:stCxn id="17" idx="2"/>
+            <a:endCxn id="3" idx="2"/>
+          </p:cNvCxnSpPr>
+          <p:nvPr/>
+        </p:nvCxnSpPr>
+        <p:spPr>
+          <a:xfrm rot="5400000" flipH="1" flipV="1">
+            <a:off x="8847690" y="3916490"/>
+            <a:ext cx="1" cy="980716"/>
+          </a:xfrm>
+          <a:prstGeom prst="bentConnector3">
+            <a:avLst>
+              <a:gd name="adj1" fmla="val -22860000000"/>
+            </a:avLst>
+          </a:prstGeom>
+          <a:ln w="38100">
+            <a:solidFill>
+              <a:schemeClr val="accent2"/>
+            </a:solidFill>
+            <a:tailEnd type="triangle"/>
+          </a:ln>
+        </p:spPr>
+        <p:style>
+          <a:lnRef idx="1">
+            <a:schemeClr val="accent1"/>
+          </a:lnRef>
+          <a:fillRef idx="0">
+            <a:schemeClr val="accent1"/>
+          </a:fillRef>
+          <a:effectRef idx="0">
+            <a:schemeClr val="accent1"/>
+          </a:effectRef>
+          <a:fontRef idx="minor">
+            <a:schemeClr val="tx1"/>
+          </a:fontRef>
+        </p:style>
+      </p:cxnSp>
     </p:spTree>
     <p:extLst>
       <p:ext uri="{BB962C8B-B14F-4D97-AF65-F5344CB8AC3E}">
@@ -5087,12 +5349,6 @@
 </file>
 
 <file path=ppt/tags/tag12.xml><?xml version="1.0" encoding="utf-8"?>
-<p:tagLst xmlns:a="http://schemas.openxmlformats.org/drawingml/2006/main" xmlns:r="http://schemas.openxmlformats.org/officeDocument/2006/relationships" xmlns:p="http://schemas.openxmlformats.org/presentationml/2006/main">
-  <p:tag name="MT_TILE" val="YES"/>
-</p:tagLst>
-</file>
-
-<file path=ppt/tags/tag13.xml><?xml version="1.0" encoding="utf-8"?>
 <p:tagLst xmlns:a="http://schemas.openxmlformats.org/drawingml/2006/main" xmlns:r="http://schemas.openxmlformats.org/officeDocument/2006/relationships" xmlns:p="http://schemas.openxmlformats.org/presentationml/2006/main">
   <p:tag name="MT_TILE" val="YES"/>
 </p:tagLst>

--- a/docs/20170124_Microsoft_IoTHackfest_住友セメントシステム.pptx
+++ b/docs/20170124_Microsoft_IoTHackfest_住友セメントシステム.pptx
@@ -3826,7 +3826,7 @@
           <p:nvPr/>
         </p:nvPicPr>
         <p:blipFill>
-          <a:blip r:embed="rId14">
+          <a:blip r:embed="rId17">
             <a:biLevel thresh="25000"/>
             <a:extLst>
               <a:ext uri="{28A0092B-C50C-407E-A947-70E740481C1C}">
@@ -3857,7 +3857,7 @@
           <p:nvPr/>
         </p:nvPicPr>
         <p:blipFill>
-          <a:blip r:embed="rId15">
+          <a:blip r:embed="rId18">
             <a:biLevel thresh="25000"/>
             <a:extLst>
               <a:ext uri="{28A0092B-C50C-407E-A947-70E740481C1C}">
@@ -3888,7 +3888,7 @@
           <p:nvPr/>
         </p:nvPicPr>
         <p:blipFill>
-          <a:blip r:embed="rId16">
+          <a:blip r:embed="rId19">
             <a:biLevel thresh="25000"/>
             <a:extLst>
               <a:ext uri="{28A0092B-C50C-407E-A947-70E740481C1C}">
@@ -3919,7 +3919,7 @@
           <p:nvPr/>
         </p:nvPicPr>
         <p:blipFill>
-          <a:blip r:embed="rId17">
+          <a:blip r:embed="rId20">
             <a:biLevel thresh="25000"/>
             <a:extLst>
               <a:ext uri="{28A0092B-C50C-407E-A947-70E740481C1C}">
@@ -4053,7 +4053,7 @@
         </p:nvSpPr>
         <p:spPr>
           <a:xfrm>
-            <a:off x="5896426" y="4764705"/>
+            <a:off x="7546875" y="4841559"/>
             <a:ext cx="4221914" cy="488515"/>
           </a:xfrm>
           <a:prstGeom prst="rect">
@@ -4109,6 +4109,17 @@
                   <a:srgbClr val="000000"/>
                 </a:solidFill>
               </a:rPr>
+              <a:t>&lt;&lt;Status&gt;&gt;</a:t>
+            </a:r>
+          </a:p>
+          <a:p>
+            <a:pPr algn="ctr"/>
+            <a:r>
+              <a:rPr lang="en-US" altLang="ja-JP" sz="1200" dirty="0">
+                <a:solidFill>
+                  <a:srgbClr val="000000"/>
+                </a:solidFill>
+              </a:rPr>
               <a:t>Store/Notification to share status</a:t>
             </a:r>
             <a:endParaRPr kumimoji="1" lang="en-US" altLang="ja-JP" sz="1200" dirty="0">
@@ -4120,47 +4131,12 @@
           <a:p>
             <a:pPr algn="ctr"/>
             <a:r>
-              <a:rPr kumimoji="1" lang="en-US" altLang="ja-JP" sz="1200" dirty="0">
-                <a:solidFill>
-                  <a:srgbClr val="000000"/>
-                </a:solidFill>
-              </a:rPr>
-              <a:t>Status (Start-end)</a:t>
-            </a:r>
-          </a:p>
-          <a:p>
-            <a:pPr algn="ctr"/>
-            <a:r>
-              <a:rPr lang="ja-JP" altLang="en-US" sz="1200" dirty="0">
-                <a:solidFill>
-                  <a:srgbClr val="000000"/>
-                </a:solidFill>
-              </a:rPr>
-              <a:t>数量</a:t>
-            </a:r>
-            <a:r>
               <a:rPr lang="en-US" altLang="ja-JP" sz="1200" dirty="0">
                 <a:solidFill>
                   <a:srgbClr val="000000"/>
                 </a:solidFill>
               </a:rPr>
-              <a:t>-&gt;Mix-&gt;</a:t>
-            </a:r>
-            <a:r>
-              <a:rPr lang="ja-JP" altLang="en-US" sz="1200" dirty="0">
-                <a:solidFill>
-                  <a:srgbClr val="000000"/>
-                </a:solidFill>
-              </a:rPr>
-              <a:t>出庫</a:t>
-            </a:r>
-            <a:r>
-              <a:rPr lang="en-US" altLang="ja-JP" sz="1200" dirty="0">
-                <a:solidFill>
-                  <a:srgbClr val="000000"/>
-                </a:solidFill>
-              </a:rPr>
-              <a:t>-&gt;Print</a:t>
+              <a:t>Volume-&gt;Mix-&gt;Shipment-&gt;Print</a:t>
             </a:r>
           </a:p>
         </p:txBody>
@@ -4533,13 +4509,13 @@
           <p:nvPr/>
         </p:nvPicPr>
         <p:blipFill>
-          <a:blip r:embed="rId18">
+          <a:blip r:embed="rId21">
             <a:extLst>
               <a:ext uri="{28A0092B-C50C-407E-A947-70E740481C1C}">
                 <a14:useLocalDpi xmlns:a14="http://schemas.microsoft.com/office/drawing/2010/main" val="0"/>
               </a:ext>
               <a:ext uri="{96DAC541-7B7A-43D3-8B79-37D633B846F1}">
-                <asvg:svgBlip xmlns:asvg="http://schemas.microsoft.com/office/drawing/2016/SVG/main" r:embed="rId19"/>
+                <asvg:svgBlip xmlns:asvg="http://schemas.microsoft.com/office/drawing/2016/SVG/main" r:embed="rId22"/>
               </a:ext>
             </a:extLst>
           </a:blip>
@@ -4715,13 +4691,13 @@
           <p:nvPr/>
         </p:nvPicPr>
         <p:blipFill>
-          <a:blip r:embed="rId20">
+          <a:blip r:embed="rId23">
             <a:extLst>
               <a:ext uri="{28A0092B-C50C-407E-A947-70E740481C1C}">
                 <a14:useLocalDpi xmlns:a14="http://schemas.microsoft.com/office/drawing/2010/main" val="0"/>
               </a:ext>
               <a:ext uri="{96DAC541-7B7A-43D3-8B79-37D633B846F1}">
-                <asvg:svgBlip xmlns:asvg="http://schemas.microsoft.com/office/drawing/2016/SVG/main" r:embed="rId21"/>
+                <asvg:svgBlip xmlns:asvg="http://schemas.microsoft.com/office/drawing/2016/SVG/main" r:embed="rId24"/>
               </a:ext>
             </a:extLst>
           </a:blip>
@@ -4909,7 +4885,7 @@
           <p:nvPr/>
         </p:nvPicPr>
         <p:blipFill>
-          <a:blip r:embed="rId22">
+          <a:blip r:embed="rId25">
             <a:biLevel thresh="25000"/>
             <a:extLst>
               <a:ext uri="{28A0092B-C50C-407E-A947-70E740481C1C}">
@@ -4940,7 +4916,7 @@
           <p:nvPr/>
         </p:nvPicPr>
         <p:blipFill>
-          <a:blip r:embed="rId23">
+          <a:blip r:embed="rId26">
             <a:biLevel thresh="25000"/>
             <a:extLst>
               <a:ext uri="{28A0092B-C50C-407E-A947-70E740481C1C}">
@@ -5098,7 +5074,7 @@
           <p:nvPr/>
         </p:nvPicPr>
         <p:blipFill>
-          <a:blip r:embed="rId24">
+          <a:blip r:embed="rId27">
             <a:biLevel thresh="25000"/>
             <a:extLst>
               <a:ext uri="{28A0092B-C50C-407E-A947-70E740481C1C}">
@@ -5129,7 +5105,7 @@
           <p:nvPr/>
         </p:nvPicPr>
         <p:blipFill>
-          <a:blip r:embed="rId25">
+          <a:blip r:embed="rId28">
             <a:biLevel thresh="25000"/>
             <a:extLst>
               <a:ext uri="{28A0092B-C50C-407E-A947-70E740481C1C}">
@@ -5317,6 +5293,248 @@
           </a:fontRef>
         </p:style>
       </p:cxnSp>
+      <p:sp>
+        <p:nvSpPr>
+          <p:cNvPr id="2" name="正方形/長方形 1"/>
+          <p:cNvSpPr/>
+          <p:nvPr>
+            <p:custDataLst>
+              <p:tags r:id="rId13"/>
+            </p:custDataLst>
+          </p:nvPr>
+        </p:nvSpPr>
+        <p:spPr>
+          <a:xfrm>
+            <a:off x="6854626" y="1940436"/>
+            <a:ext cx="1526042" cy="307939"/>
+          </a:xfrm>
+          <a:prstGeom prst="rect">
+            <a:avLst/>
+          </a:prstGeom>
+          <a:solidFill>
+            <a:srgbClr val="FFF100"/>
+          </a:solidFill>
+          <a:ln w="12700" cap="flat" cmpd="sng" algn="ctr">
+            <a:noFill/>
+            <a:prstDash val="solid"/>
+            <a:miter lim="800000"/>
+          </a:ln>
+          <a:effectLst/>
+          <a:extLst>
+            <a:ext uri="{91240B29-F687-4F45-9708-019B960494DF}">
+              <a14:hiddenLine xmlns:a14="http://schemas.microsoft.com/office/drawing/2010/main" w="12700" cap="flat" cmpd="sng" algn="ctr">
+                <a:solidFill>
+                  <a:schemeClr val="accent1">
+                    <a:shade val="50000"/>
+                  </a:schemeClr>
+                </a:solidFill>
+                <a:prstDash val="solid"/>
+                <a:miter lim="800000"/>
+              </a14:hiddenLine>
+            </a:ext>
+          </a:extLst>
+        </p:spPr>
+        <p:style>
+          <a:lnRef idx="2">
+            <a:schemeClr val="accent1">
+              <a:shade val="50000"/>
+            </a:schemeClr>
+          </a:lnRef>
+          <a:fillRef idx="1">
+            <a:schemeClr val="accent1"/>
+          </a:fillRef>
+          <a:effectRef idx="0">
+            <a:schemeClr val="accent1"/>
+          </a:effectRef>
+          <a:fontRef idx="minor">
+            <a:schemeClr val="lt1"/>
+          </a:fontRef>
+        </p:style>
+        <p:txBody>
+          <a:bodyPr rtlCol="0" anchor="ctr"/>
+          <a:lstStyle/>
+          <a:p>
+            <a:pPr algn="ctr"/>
+            <a:r>
+              <a:rPr kumimoji="1" lang="en-US" altLang="ja-JP" dirty="0">
+                <a:solidFill>
+                  <a:srgbClr val="000000"/>
+                </a:solidFill>
+              </a:rPr>
+              <a:t>Command</a:t>
+            </a:r>
+            <a:endParaRPr kumimoji="1" lang="ja-JP" altLang="en-US" dirty="0">
+              <a:solidFill>
+                <a:srgbClr val="000000"/>
+              </a:solidFill>
+            </a:endParaRPr>
+          </a:p>
+        </p:txBody>
+      </p:sp>
+      <p:sp>
+        <p:nvSpPr>
+          <p:cNvPr id="44" name="正方形/長方形 43"/>
+          <p:cNvSpPr/>
+          <p:nvPr>
+            <p:custDataLst>
+              <p:tags r:id="rId14"/>
+            </p:custDataLst>
+          </p:nvPr>
+        </p:nvSpPr>
+        <p:spPr>
+          <a:xfrm>
+            <a:off x="7523541" y="2969921"/>
+            <a:ext cx="1526042" cy="307939"/>
+          </a:xfrm>
+          <a:prstGeom prst="rect">
+            <a:avLst/>
+          </a:prstGeom>
+          <a:solidFill>
+            <a:srgbClr val="FF8C00"/>
+          </a:solidFill>
+          <a:ln w="12700" cap="flat" cmpd="sng" algn="ctr">
+            <a:noFill/>
+            <a:prstDash val="solid"/>
+            <a:miter lim="800000"/>
+          </a:ln>
+          <a:effectLst/>
+          <a:extLst>
+            <a:ext uri="{91240B29-F687-4F45-9708-019B960494DF}">
+              <a14:hiddenLine xmlns:a14="http://schemas.microsoft.com/office/drawing/2010/main" w="12700" cap="flat" cmpd="sng" algn="ctr">
+                <a:solidFill>
+                  <a:schemeClr val="accent1">
+                    <a:shade val="50000"/>
+                  </a:schemeClr>
+                </a:solidFill>
+                <a:prstDash val="solid"/>
+                <a:miter lim="800000"/>
+              </a14:hiddenLine>
+            </a:ext>
+          </a:extLst>
+        </p:spPr>
+        <p:style>
+          <a:lnRef idx="2">
+            <a:schemeClr val="accent1">
+              <a:shade val="50000"/>
+            </a:schemeClr>
+          </a:lnRef>
+          <a:fillRef idx="1">
+            <a:schemeClr val="accent1"/>
+          </a:fillRef>
+          <a:effectRef idx="0">
+            <a:schemeClr val="accent1"/>
+          </a:effectRef>
+          <a:fontRef idx="minor">
+            <a:schemeClr val="lt1"/>
+          </a:fontRef>
+        </p:style>
+        <p:txBody>
+          <a:bodyPr rtlCol="0" anchor="ctr"/>
+          <a:lstStyle/>
+          <a:p>
+            <a:pPr algn="ctr"/>
+            <a:r>
+              <a:rPr kumimoji="1" lang="en-US" altLang="ja-JP" dirty="0">
+                <a:solidFill>
+                  <a:srgbClr val="000000"/>
+                </a:solidFill>
+              </a:rPr>
+              <a:t>Status</a:t>
+            </a:r>
+            <a:endParaRPr kumimoji="1" lang="ja-JP" altLang="en-US" dirty="0">
+              <a:solidFill>
+                <a:srgbClr val="000000"/>
+              </a:solidFill>
+            </a:endParaRPr>
+          </a:p>
+        </p:txBody>
+      </p:sp>
+      <p:sp>
+        <p:nvSpPr>
+          <p:cNvPr id="45" name="正方形/長方形 44"/>
+          <p:cNvSpPr/>
+          <p:nvPr>
+            <p:custDataLst>
+              <p:tags r:id="rId15"/>
+            </p:custDataLst>
+          </p:nvPr>
+        </p:nvSpPr>
+        <p:spPr>
+          <a:xfrm>
+            <a:off x="5641515" y="4121988"/>
+            <a:ext cx="1095293" cy="1019754"/>
+          </a:xfrm>
+          <a:prstGeom prst="rect">
+            <a:avLst/>
+          </a:prstGeom>
+          <a:solidFill>
+            <a:srgbClr val="505050"/>
+          </a:solidFill>
+          <a:ln w="12700" cap="flat" cmpd="sng" algn="ctr">
+            <a:noFill/>
+            <a:prstDash val="solid"/>
+            <a:miter lim="800000"/>
+          </a:ln>
+          <a:effectLst/>
+          <a:extLst>
+            <a:ext uri="{91240B29-F687-4F45-9708-019B960494DF}">
+              <a14:hiddenLine xmlns:a14="http://schemas.microsoft.com/office/drawing/2010/main" w="12700" cap="flat" cmpd="sng" algn="ctr">
+                <a:solidFill>
+                  <a:schemeClr val="accent1">
+                    <a:shade val="50000"/>
+                  </a:schemeClr>
+                </a:solidFill>
+                <a:prstDash val="solid"/>
+                <a:miter lim="800000"/>
+              </a14:hiddenLine>
+            </a:ext>
+          </a:extLst>
+        </p:spPr>
+        <p:style>
+          <a:lnRef idx="2">
+            <a:schemeClr val="accent1">
+              <a:shade val="50000"/>
+            </a:schemeClr>
+          </a:lnRef>
+          <a:fillRef idx="1">
+            <a:schemeClr val="accent1"/>
+          </a:fillRef>
+          <a:effectRef idx="0">
+            <a:schemeClr val="accent1"/>
+          </a:effectRef>
+          <a:fontRef idx="minor">
+            <a:schemeClr val="lt1"/>
+          </a:fontRef>
+        </p:style>
+        <p:txBody>
+          <a:bodyPr rtlCol="0" anchor="ctr"/>
+          <a:lstStyle/>
+          <a:p>
+            <a:pPr algn="ctr"/>
+            <a:r>
+              <a:rPr kumimoji="1" lang="en-US" altLang="ja-JP" dirty="0">
+                <a:solidFill>
+                  <a:srgbClr val="FFFFFF"/>
+                </a:solidFill>
+              </a:rPr>
+              <a:t>Referral data </a:t>
+            </a:r>
+            <a:r>
+              <a:rPr kumimoji="1" lang="en-US" altLang="ja-JP" dirty="0" err="1">
+                <a:solidFill>
+                  <a:srgbClr val="FFFFFF"/>
+                </a:solidFill>
+              </a:rPr>
+              <a:t>Processs</a:t>
+            </a:r>
+            <a:endParaRPr kumimoji="1" lang="ja-JP" altLang="en-US" dirty="0">
+              <a:solidFill>
+                <a:srgbClr val="FFFFFF"/>
+              </a:solidFill>
+            </a:endParaRPr>
+          </a:p>
+        </p:txBody>
+      </p:sp>
     </p:spTree>
     <p:extLst>
       <p:ext uri="{BB962C8B-B14F-4D97-AF65-F5344CB8AC3E}">
@@ -5349,6 +5567,24 @@
 </file>
 
 <file path=ppt/tags/tag12.xml><?xml version="1.0" encoding="utf-8"?>
+<p:tagLst xmlns:a="http://schemas.openxmlformats.org/drawingml/2006/main" xmlns:r="http://schemas.openxmlformats.org/officeDocument/2006/relationships" xmlns:p="http://schemas.openxmlformats.org/presentationml/2006/main">
+  <p:tag name="MT_TILE" val="YES"/>
+</p:tagLst>
+</file>
+
+<file path=ppt/tags/tag13.xml><?xml version="1.0" encoding="utf-8"?>
+<p:tagLst xmlns:a="http://schemas.openxmlformats.org/drawingml/2006/main" xmlns:r="http://schemas.openxmlformats.org/officeDocument/2006/relationships" xmlns:p="http://schemas.openxmlformats.org/presentationml/2006/main">
+  <p:tag name="MT_TILE" val="YES"/>
+</p:tagLst>
+</file>
+
+<file path=ppt/tags/tag14.xml><?xml version="1.0" encoding="utf-8"?>
+<p:tagLst xmlns:a="http://schemas.openxmlformats.org/drawingml/2006/main" xmlns:r="http://schemas.openxmlformats.org/officeDocument/2006/relationships" xmlns:p="http://schemas.openxmlformats.org/presentationml/2006/main">
+  <p:tag name="MT_TILE" val="YES"/>
+</p:tagLst>
+</file>
+
+<file path=ppt/tags/tag15.xml><?xml version="1.0" encoding="utf-8"?>
 <p:tagLst xmlns:a="http://schemas.openxmlformats.org/drawingml/2006/main" xmlns:r="http://schemas.openxmlformats.org/officeDocument/2006/relationships" xmlns:p="http://schemas.openxmlformats.org/presentationml/2006/main">
   <p:tag name="MT_TILE" val="YES"/>
 </p:tagLst>
